--- a/ui-1.pptx
+++ b/ui-1.pptx
@@ -8,6 +8,7 @@
     <p:sldId id="257" r:id="rId2"/>
     <p:sldId id="256" r:id="rId3"/>
     <p:sldId id="258" r:id="rId4"/>
+    <p:sldId id="259" r:id="rId5"/>
   </p:sldIdLst>
   <p:sldSz cx="12192000" cy="6858000"/>
   <p:notesSz cx="6858000" cy="9144000"/>
@@ -106,6 +107,11 @@
       </a:defRPr>
     </a:lvl9pPr>
   </p:defaultTextStyle>
+  <p:extLst>
+    <p:ext uri="{EFAFB233-063F-42B5-8137-9DF3F51BA10A}">
+      <p15:sldGuideLst xmlns:p15="http://schemas.microsoft.com/office/powerpoint/2012/main"/>
+    </p:ext>
+  </p:extLst>
 </p:presentation>
 </file>
 
@@ -5544,7 +5550,7 @@
         </p:nvSpPr>
         <p:spPr>
           <a:xfrm>
-            <a:off x="8035587" y="3803601"/>
+            <a:off x="8026062" y="3803601"/>
             <a:ext cx="328863" cy="304800"/>
           </a:xfrm>
           <a:prstGeom prst="flowChartSummingJunction">
@@ -6506,6 +6512,1326 @@
     <p:extLst>
       <p:ext uri="{BB962C8B-B14F-4D97-AF65-F5344CB8AC3E}">
         <p14:creationId xmlns:p14="http://schemas.microsoft.com/office/powerpoint/2010/main" val="844853633"/>
+      </p:ext>
+    </p:extLst>
+  </p:cSld>
+  <p:clrMapOvr>
+    <a:masterClrMapping/>
+  </p:clrMapOvr>
+</p:sld>
+</file>
+
+<file path=ppt/slides/slide4.xml><?xml version="1.0" encoding="utf-8"?>
+<p:sld xmlns:a="http://schemas.openxmlformats.org/drawingml/2006/main" xmlns:r="http://schemas.openxmlformats.org/officeDocument/2006/relationships" xmlns:p="http://schemas.openxmlformats.org/presentationml/2006/main">
+  <p:cSld>
+    <p:spTree>
+      <p:nvGrpSpPr>
+        <p:cNvPr id="1" name=""/>
+        <p:cNvGrpSpPr/>
+        <p:nvPr/>
+      </p:nvGrpSpPr>
+      <p:grpSpPr>
+        <a:xfrm>
+          <a:off x="0" y="0"/>
+          <a:ext cx="0" cy="0"/>
+          <a:chOff x="0" y="0"/>
+          <a:chExt cx="0" cy="0"/>
+        </a:xfrm>
+      </p:grpSpPr>
+      <p:sp>
+        <p:nvSpPr>
+          <p:cNvPr id="4" name="Action Button: Document 3">
+            <a:hlinkClick r:id="" action="ppaction://noaction" highlightClick="1"/>
+          </p:cNvPr>
+          <p:cNvSpPr>
+            <a:spLocks noChangeAspect="1"/>
+          </p:cNvSpPr>
+          <p:nvPr/>
+        </p:nvSpPr>
+        <p:spPr>
+          <a:xfrm>
+            <a:off x="904875" y="418719"/>
+            <a:ext cx="1536192" cy="1536192"/>
+          </a:xfrm>
+          <a:prstGeom prst="actionButtonDocument">
+            <a:avLst/>
+          </a:prstGeom>
+          <a:ln w="25400" cmpd="sng"/>
+        </p:spPr>
+        <p:style>
+          <a:lnRef idx="2">
+            <a:schemeClr val="dk1"/>
+          </a:lnRef>
+          <a:fillRef idx="1">
+            <a:schemeClr val="lt1"/>
+          </a:fillRef>
+          <a:effectRef idx="0">
+            <a:schemeClr val="dk1"/>
+          </a:effectRef>
+          <a:fontRef idx="minor">
+            <a:schemeClr val="dk1"/>
+          </a:fontRef>
+        </p:style>
+        <p:txBody>
+          <a:bodyPr rtlCol="0" anchor="ctr"/>
+          <a:lstStyle/>
+          <a:p>
+            <a:pPr algn="ctr"/>
+            <a:endParaRPr lang="zh-CN" altLang="en-US"/>
+          </a:p>
+        </p:txBody>
+      </p:sp>
+      <p:sp>
+        <p:nvSpPr>
+          <p:cNvPr id="5" name="Action Button: Document 4">
+            <a:hlinkClick r:id="" action="ppaction://noaction" highlightClick="1"/>
+          </p:cNvPr>
+          <p:cNvSpPr>
+            <a:spLocks noChangeAspect="1"/>
+          </p:cNvSpPr>
+          <p:nvPr/>
+        </p:nvSpPr>
+        <p:spPr>
+          <a:xfrm>
+            <a:off x="3939921" y="418719"/>
+            <a:ext cx="768096" cy="768096"/>
+          </a:xfrm>
+          <a:prstGeom prst="actionButtonDocument">
+            <a:avLst/>
+          </a:prstGeom>
+          <a:ln w="12700" cmpd="sng"/>
+        </p:spPr>
+        <p:style>
+          <a:lnRef idx="2">
+            <a:schemeClr val="dk1"/>
+          </a:lnRef>
+          <a:fillRef idx="1">
+            <a:schemeClr val="lt1"/>
+          </a:fillRef>
+          <a:effectRef idx="0">
+            <a:schemeClr val="dk1"/>
+          </a:effectRef>
+          <a:fontRef idx="minor">
+            <a:schemeClr val="dk1"/>
+          </a:fontRef>
+        </p:style>
+        <p:txBody>
+          <a:bodyPr rtlCol="0" anchor="ctr"/>
+          <a:lstStyle/>
+          <a:p>
+            <a:pPr algn="ctr"/>
+            <a:endParaRPr lang="zh-CN" altLang="en-US"/>
+          </a:p>
+        </p:txBody>
+      </p:sp>
+      <p:sp>
+        <p:nvSpPr>
+          <p:cNvPr id="6" name="Action Button: Document 5">
+            <a:hlinkClick r:id="" action="ppaction://noaction" highlightClick="1"/>
+          </p:cNvPr>
+          <p:cNvSpPr>
+            <a:spLocks noChangeAspect="1"/>
+          </p:cNvSpPr>
+          <p:nvPr/>
+        </p:nvSpPr>
+        <p:spPr>
+          <a:xfrm>
+            <a:off x="5665851" y="427863"/>
+            <a:ext cx="384048" cy="384048"/>
+          </a:xfrm>
+          <a:prstGeom prst="actionButtonDocument">
+            <a:avLst/>
+          </a:prstGeom>
+          <a:ln w="6350" cmpd="sng"/>
+        </p:spPr>
+        <p:style>
+          <a:lnRef idx="2">
+            <a:schemeClr val="dk1"/>
+          </a:lnRef>
+          <a:fillRef idx="1">
+            <a:schemeClr val="lt1"/>
+          </a:fillRef>
+          <a:effectRef idx="0">
+            <a:schemeClr val="dk1"/>
+          </a:effectRef>
+          <a:fontRef idx="minor">
+            <a:schemeClr val="dk1"/>
+          </a:fontRef>
+        </p:style>
+        <p:txBody>
+          <a:bodyPr rtlCol="0" anchor="ctr"/>
+          <a:lstStyle/>
+          <a:p>
+            <a:pPr algn="ctr"/>
+            <a:endParaRPr lang="zh-CN" altLang="en-US"/>
+          </a:p>
+        </p:txBody>
+      </p:sp>
+      <p:sp>
+        <p:nvSpPr>
+          <p:cNvPr id="7" name="Action Button: Document 6">
+            <a:hlinkClick r:id="" action="ppaction://noaction" highlightClick="1"/>
+          </p:cNvPr>
+          <p:cNvSpPr>
+            <a:spLocks noChangeAspect="1"/>
+          </p:cNvSpPr>
+          <p:nvPr/>
+        </p:nvSpPr>
+        <p:spPr>
+          <a:xfrm>
+            <a:off x="6698361" y="418719"/>
+            <a:ext cx="192024" cy="192024"/>
+          </a:xfrm>
+          <a:prstGeom prst="actionButtonDocument">
+            <a:avLst/>
+          </a:prstGeom>
+          <a:ln w="3175" cmpd="sng"/>
+        </p:spPr>
+        <p:style>
+          <a:lnRef idx="2">
+            <a:schemeClr val="dk1"/>
+          </a:lnRef>
+          <a:fillRef idx="1">
+            <a:schemeClr val="lt1"/>
+          </a:fillRef>
+          <a:effectRef idx="0">
+            <a:schemeClr val="dk1"/>
+          </a:effectRef>
+          <a:fontRef idx="minor">
+            <a:schemeClr val="dk1"/>
+          </a:fontRef>
+        </p:style>
+        <p:txBody>
+          <a:bodyPr rtlCol="0" anchor="ctr"/>
+          <a:lstStyle/>
+          <a:p>
+            <a:pPr algn="ctr"/>
+            <a:endParaRPr lang="zh-CN" altLang="en-US"/>
+          </a:p>
+        </p:txBody>
+      </p:sp>
+      <p:sp>
+        <p:nvSpPr>
+          <p:cNvPr id="8" name="Action Button: Document 7">
+            <a:hlinkClick r:id="" action="ppaction://noaction" highlightClick="1"/>
+          </p:cNvPr>
+          <p:cNvSpPr>
+            <a:spLocks noChangeAspect="1"/>
+          </p:cNvSpPr>
+          <p:nvPr/>
+        </p:nvSpPr>
+        <p:spPr>
+          <a:xfrm>
+            <a:off x="7012305" y="427863"/>
+            <a:ext cx="91440" cy="91440"/>
+          </a:xfrm>
+          <a:prstGeom prst="actionButtonDocument">
+            <a:avLst/>
+          </a:prstGeom>
+          <a:ln w="1651" cmpd="sng"/>
+        </p:spPr>
+        <p:style>
+          <a:lnRef idx="2">
+            <a:schemeClr val="dk1"/>
+          </a:lnRef>
+          <a:fillRef idx="1">
+            <a:schemeClr val="lt1"/>
+          </a:fillRef>
+          <a:effectRef idx="0">
+            <a:schemeClr val="dk1"/>
+          </a:effectRef>
+          <a:fontRef idx="minor">
+            <a:schemeClr val="dk1"/>
+          </a:fontRef>
+        </p:style>
+        <p:txBody>
+          <a:bodyPr rtlCol="0" anchor="ctr"/>
+          <a:lstStyle/>
+          <a:p>
+            <a:pPr algn="ctr"/>
+            <a:endParaRPr lang="zh-CN" altLang="en-US"/>
+          </a:p>
+        </p:txBody>
+      </p:sp>
+      <p:sp>
+        <p:nvSpPr>
+          <p:cNvPr id="9" name="Action Button: Document 8">
+            <a:hlinkClick r:id="" action="ppaction://noaction" highlightClick="1"/>
+          </p:cNvPr>
+          <p:cNvSpPr>
+            <a:spLocks noChangeAspect="1"/>
+          </p:cNvSpPr>
+          <p:nvPr/>
+        </p:nvSpPr>
+        <p:spPr>
+          <a:xfrm>
+            <a:off x="6280404" y="427863"/>
+            <a:ext cx="283464" cy="283464"/>
+          </a:xfrm>
+          <a:prstGeom prst="actionButtonDocument">
+            <a:avLst/>
+          </a:prstGeom>
+          <a:ln w="4826" cmpd="sng"/>
+        </p:spPr>
+        <p:style>
+          <a:lnRef idx="2">
+            <a:schemeClr val="dk1"/>
+          </a:lnRef>
+          <a:fillRef idx="1">
+            <a:schemeClr val="lt1"/>
+          </a:fillRef>
+          <a:effectRef idx="0">
+            <a:schemeClr val="dk1"/>
+          </a:effectRef>
+          <a:fontRef idx="minor">
+            <a:schemeClr val="dk1"/>
+          </a:fontRef>
+        </p:style>
+        <p:txBody>
+          <a:bodyPr rtlCol="0" anchor="ctr"/>
+          <a:lstStyle/>
+          <a:p>
+            <a:pPr algn="ctr"/>
+            <a:endParaRPr lang="zh-CN" altLang="en-US"/>
+          </a:p>
+        </p:txBody>
+      </p:sp>
+      <p:sp>
+        <p:nvSpPr>
+          <p:cNvPr id="10" name="Action Button: Document 9">
+            <a:hlinkClick r:id="" action="ppaction://noaction" highlightClick="1"/>
+          </p:cNvPr>
+          <p:cNvSpPr>
+            <a:spLocks noChangeAspect="1"/>
+          </p:cNvSpPr>
+          <p:nvPr/>
+        </p:nvSpPr>
+        <p:spPr>
+          <a:xfrm>
+            <a:off x="4898898" y="418719"/>
+            <a:ext cx="576072" cy="576072"/>
+          </a:xfrm>
+          <a:prstGeom prst="actionButtonDocument">
+            <a:avLst/>
+          </a:prstGeom>
+          <a:ln w="9525" cmpd="sng"/>
+        </p:spPr>
+        <p:style>
+          <a:lnRef idx="2">
+            <a:schemeClr val="dk1"/>
+          </a:lnRef>
+          <a:fillRef idx="1">
+            <a:schemeClr val="lt1"/>
+          </a:fillRef>
+          <a:effectRef idx="0">
+            <a:schemeClr val="dk1"/>
+          </a:effectRef>
+          <a:fontRef idx="minor">
+            <a:schemeClr val="dk1"/>
+          </a:fontRef>
+        </p:style>
+        <p:txBody>
+          <a:bodyPr rtlCol="0" anchor="ctr"/>
+          <a:lstStyle/>
+          <a:p>
+            <a:pPr algn="ctr"/>
+            <a:endParaRPr lang="zh-CN" altLang="en-US"/>
+          </a:p>
+        </p:txBody>
+      </p:sp>
+      <p:sp>
+        <p:nvSpPr>
+          <p:cNvPr id="11" name="Action Button: Document 10">
+            <a:hlinkClick r:id="" action="ppaction://noaction" highlightClick="1"/>
+          </p:cNvPr>
+          <p:cNvSpPr>
+            <a:spLocks noChangeAspect="1"/>
+          </p:cNvSpPr>
+          <p:nvPr/>
+        </p:nvSpPr>
+        <p:spPr>
+          <a:xfrm>
+            <a:off x="2668905" y="418719"/>
+            <a:ext cx="1143000" cy="1143000"/>
+          </a:xfrm>
+          <a:prstGeom prst="actionButtonDocument">
+            <a:avLst/>
+          </a:prstGeom>
+          <a:ln w="19050" cmpd="sng"/>
+        </p:spPr>
+        <p:style>
+          <a:lnRef idx="2">
+            <a:schemeClr val="dk1"/>
+          </a:lnRef>
+          <a:fillRef idx="1">
+            <a:schemeClr val="lt1"/>
+          </a:fillRef>
+          <a:effectRef idx="0">
+            <a:schemeClr val="dk1"/>
+          </a:effectRef>
+          <a:fontRef idx="minor">
+            <a:schemeClr val="dk1"/>
+          </a:fontRef>
+        </p:style>
+        <p:txBody>
+          <a:bodyPr rtlCol="0" anchor="ctr"/>
+          <a:lstStyle/>
+          <a:p>
+            <a:pPr algn="ctr"/>
+            <a:endParaRPr lang="zh-CN" altLang="en-US"/>
+          </a:p>
+        </p:txBody>
+      </p:sp>
+      <p:sp>
+        <p:nvSpPr>
+          <p:cNvPr id="12" name="Plus 11"/>
+          <p:cNvSpPr>
+            <a:spLocks noChangeAspect="1"/>
+          </p:cNvSpPr>
+          <p:nvPr/>
+        </p:nvSpPr>
+        <p:spPr>
+          <a:xfrm>
+            <a:off x="904875" y="2000999"/>
+            <a:ext cx="1536192" cy="1536192"/>
+          </a:xfrm>
+          <a:prstGeom prst="mathPlus">
+            <a:avLst/>
+          </a:prstGeom>
+          <a:solidFill>
+            <a:schemeClr val="bg1">
+              <a:lumMod val="85000"/>
+            </a:schemeClr>
+          </a:solidFill>
+          <a:ln w="25400"/>
+        </p:spPr>
+        <p:style>
+          <a:lnRef idx="2">
+            <a:schemeClr val="dk1"/>
+          </a:lnRef>
+          <a:fillRef idx="1">
+            <a:schemeClr val="lt1"/>
+          </a:fillRef>
+          <a:effectRef idx="0">
+            <a:schemeClr val="dk1"/>
+          </a:effectRef>
+          <a:fontRef idx="minor">
+            <a:schemeClr val="dk1"/>
+          </a:fontRef>
+        </p:style>
+        <p:txBody>
+          <a:bodyPr rtlCol="0" anchor="ctr"/>
+          <a:lstStyle/>
+          <a:p>
+            <a:pPr algn="ctr"/>
+            <a:endParaRPr lang="zh-CN" altLang="en-US"/>
+          </a:p>
+        </p:txBody>
+      </p:sp>
+      <p:sp>
+        <p:nvSpPr>
+          <p:cNvPr id="13" name="Plus 12"/>
+          <p:cNvSpPr>
+            <a:spLocks noChangeAspect="1"/>
+          </p:cNvSpPr>
+          <p:nvPr/>
+        </p:nvSpPr>
+        <p:spPr>
+          <a:xfrm>
+            <a:off x="2668905" y="2000999"/>
+            <a:ext cx="1143000" cy="1143000"/>
+          </a:xfrm>
+          <a:prstGeom prst="mathPlus">
+            <a:avLst/>
+          </a:prstGeom>
+          <a:solidFill>
+            <a:schemeClr val="bg1">
+              <a:lumMod val="85000"/>
+            </a:schemeClr>
+          </a:solidFill>
+          <a:ln w="19050"/>
+        </p:spPr>
+        <p:style>
+          <a:lnRef idx="2">
+            <a:schemeClr val="dk1"/>
+          </a:lnRef>
+          <a:fillRef idx="1">
+            <a:schemeClr val="lt1"/>
+          </a:fillRef>
+          <a:effectRef idx="0">
+            <a:schemeClr val="dk1"/>
+          </a:effectRef>
+          <a:fontRef idx="minor">
+            <a:schemeClr val="dk1"/>
+          </a:fontRef>
+        </p:style>
+        <p:txBody>
+          <a:bodyPr rtlCol="0" anchor="ctr"/>
+          <a:lstStyle/>
+          <a:p>
+            <a:pPr algn="ctr"/>
+            <a:endParaRPr lang="zh-CN" altLang="en-US"/>
+          </a:p>
+        </p:txBody>
+      </p:sp>
+      <p:sp>
+        <p:nvSpPr>
+          <p:cNvPr id="14" name="Plus 13"/>
+          <p:cNvSpPr>
+            <a:spLocks noChangeAspect="1"/>
+          </p:cNvSpPr>
+          <p:nvPr/>
+        </p:nvSpPr>
+        <p:spPr>
+          <a:xfrm>
+            <a:off x="3939921" y="2000999"/>
+            <a:ext cx="768096" cy="768096"/>
+          </a:xfrm>
+          <a:prstGeom prst="mathPlus">
+            <a:avLst/>
+          </a:prstGeom>
+          <a:solidFill>
+            <a:schemeClr val="bg1">
+              <a:lumMod val="85000"/>
+            </a:schemeClr>
+          </a:solidFill>
+          <a:ln w="12700"/>
+        </p:spPr>
+        <p:style>
+          <a:lnRef idx="2">
+            <a:schemeClr val="dk1"/>
+          </a:lnRef>
+          <a:fillRef idx="1">
+            <a:schemeClr val="lt1"/>
+          </a:fillRef>
+          <a:effectRef idx="0">
+            <a:schemeClr val="dk1"/>
+          </a:effectRef>
+          <a:fontRef idx="minor">
+            <a:schemeClr val="dk1"/>
+          </a:fontRef>
+        </p:style>
+        <p:txBody>
+          <a:bodyPr rtlCol="0" anchor="ctr"/>
+          <a:lstStyle/>
+          <a:p>
+            <a:pPr algn="ctr"/>
+            <a:endParaRPr lang="zh-CN" altLang="en-US"/>
+          </a:p>
+        </p:txBody>
+      </p:sp>
+      <p:sp>
+        <p:nvSpPr>
+          <p:cNvPr id="15" name="Plus 14"/>
+          <p:cNvSpPr>
+            <a:spLocks noChangeAspect="1"/>
+          </p:cNvSpPr>
+          <p:nvPr/>
+        </p:nvSpPr>
+        <p:spPr>
+          <a:xfrm>
+            <a:off x="4898898" y="2000999"/>
+            <a:ext cx="576072" cy="576072"/>
+          </a:xfrm>
+          <a:prstGeom prst="mathPlus">
+            <a:avLst/>
+          </a:prstGeom>
+          <a:solidFill>
+            <a:schemeClr val="bg1">
+              <a:lumMod val="85000"/>
+            </a:schemeClr>
+          </a:solidFill>
+          <a:ln w="9525"/>
+        </p:spPr>
+        <p:style>
+          <a:lnRef idx="2">
+            <a:schemeClr val="dk1"/>
+          </a:lnRef>
+          <a:fillRef idx="1">
+            <a:schemeClr val="lt1"/>
+          </a:fillRef>
+          <a:effectRef idx="0">
+            <a:schemeClr val="dk1"/>
+          </a:effectRef>
+          <a:fontRef idx="minor">
+            <a:schemeClr val="dk1"/>
+          </a:fontRef>
+        </p:style>
+        <p:txBody>
+          <a:bodyPr rtlCol="0" anchor="ctr"/>
+          <a:lstStyle/>
+          <a:p>
+            <a:pPr algn="ctr"/>
+            <a:endParaRPr lang="zh-CN" altLang="en-US"/>
+          </a:p>
+        </p:txBody>
+      </p:sp>
+      <p:sp>
+        <p:nvSpPr>
+          <p:cNvPr id="16" name="Plus 15"/>
+          <p:cNvSpPr>
+            <a:spLocks noChangeAspect="1"/>
+          </p:cNvSpPr>
+          <p:nvPr/>
+        </p:nvSpPr>
+        <p:spPr>
+          <a:xfrm>
+            <a:off x="5665851" y="2000999"/>
+            <a:ext cx="384048" cy="384048"/>
+          </a:xfrm>
+          <a:prstGeom prst="mathPlus">
+            <a:avLst/>
+          </a:prstGeom>
+          <a:solidFill>
+            <a:schemeClr val="bg1">
+              <a:lumMod val="85000"/>
+            </a:schemeClr>
+          </a:solidFill>
+          <a:ln w="6350"/>
+        </p:spPr>
+        <p:style>
+          <a:lnRef idx="2">
+            <a:schemeClr val="dk1"/>
+          </a:lnRef>
+          <a:fillRef idx="1">
+            <a:schemeClr val="lt1"/>
+          </a:fillRef>
+          <a:effectRef idx="0">
+            <a:schemeClr val="dk1"/>
+          </a:effectRef>
+          <a:fontRef idx="minor">
+            <a:schemeClr val="dk1"/>
+          </a:fontRef>
+        </p:style>
+        <p:txBody>
+          <a:bodyPr rtlCol="0" anchor="ctr"/>
+          <a:lstStyle/>
+          <a:p>
+            <a:pPr algn="ctr"/>
+            <a:endParaRPr lang="zh-CN" altLang="en-US"/>
+          </a:p>
+        </p:txBody>
+      </p:sp>
+      <p:sp>
+        <p:nvSpPr>
+          <p:cNvPr id="17" name="Plus 16"/>
+          <p:cNvSpPr>
+            <a:spLocks noChangeAspect="1"/>
+          </p:cNvSpPr>
+          <p:nvPr/>
+        </p:nvSpPr>
+        <p:spPr>
+          <a:xfrm>
+            <a:off x="6280404" y="2005571"/>
+            <a:ext cx="283464" cy="283464"/>
+          </a:xfrm>
+          <a:prstGeom prst="mathPlus">
+            <a:avLst/>
+          </a:prstGeom>
+          <a:solidFill>
+            <a:schemeClr val="bg1">
+              <a:lumMod val="85000"/>
+            </a:schemeClr>
+          </a:solidFill>
+          <a:ln w="4826"/>
+        </p:spPr>
+        <p:style>
+          <a:lnRef idx="2">
+            <a:schemeClr val="dk1"/>
+          </a:lnRef>
+          <a:fillRef idx="1">
+            <a:schemeClr val="lt1"/>
+          </a:fillRef>
+          <a:effectRef idx="0">
+            <a:schemeClr val="dk1"/>
+          </a:effectRef>
+          <a:fontRef idx="minor">
+            <a:schemeClr val="dk1"/>
+          </a:fontRef>
+        </p:style>
+        <p:txBody>
+          <a:bodyPr rtlCol="0" anchor="ctr"/>
+          <a:lstStyle/>
+          <a:p>
+            <a:pPr algn="ctr"/>
+            <a:endParaRPr lang="zh-CN" altLang="en-US"/>
+          </a:p>
+        </p:txBody>
+      </p:sp>
+      <p:sp>
+        <p:nvSpPr>
+          <p:cNvPr id="18" name="Plus 17"/>
+          <p:cNvSpPr>
+            <a:spLocks noChangeAspect="1"/>
+          </p:cNvSpPr>
+          <p:nvPr/>
+        </p:nvSpPr>
+        <p:spPr>
+          <a:xfrm>
+            <a:off x="6698361" y="2001748"/>
+            <a:ext cx="192024" cy="192024"/>
+          </a:xfrm>
+          <a:prstGeom prst="mathPlus">
+            <a:avLst/>
+          </a:prstGeom>
+          <a:solidFill>
+            <a:schemeClr val="bg1">
+              <a:lumMod val="85000"/>
+            </a:schemeClr>
+          </a:solidFill>
+          <a:ln w="3175"/>
+        </p:spPr>
+        <p:style>
+          <a:lnRef idx="2">
+            <a:schemeClr val="dk1"/>
+          </a:lnRef>
+          <a:fillRef idx="1">
+            <a:schemeClr val="lt1"/>
+          </a:fillRef>
+          <a:effectRef idx="0">
+            <a:schemeClr val="dk1"/>
+          </a:effectRef>
+          <a:fontRef idx="minor">
+            <a:schemeClr val="dk1"/>
+          </a:fontRef>
+        </p:style>
+        <p:txBody>
+          <a:bodyPr rtlCol="0" anchor="ctr"/>
+          <a:lstStyle/>
+          <a:p>
+            <a:pPr algn="ctr"/>
+            <a:endParaRPr lang="zh-CN" altLang="en-US"/>
+          </a:p>
+        </p:txBody>
+      </p:sp>
+      <p:sp>
+        <p:nvSpPr>
+          <p:cNvPr id="19" name="Plus 18"/>
+          <p:cNvSpPr>
+            <a:spLocks noChangeAspect="1"/>
+          </p:cNvSpPr>
+          <p:nvPr/>
+        </p:nvSpPr>
+        <p:spPr>
+          <a:xfrm>
+            <a:off x="7012305" y="2016594"/>
+            <a:ext cx="91440" cy="91440"/>
+          </a:xfrm>
+          <a:prstGeom prst="mathPlus">
+            <a:avLst/>
+          </a:prstGeom>
+          <a:solidFill>
+            <a:schemeClr val="bg1">
+              <a:lumMod val="85000"/>
+            </a:schemeClr>
+          </a:solidFill>
+          <a:ln w="1651"/>
+        </p:spPr>
+        <p:style>
+          <a:lnRef idx="2">
+            <a:schemeClr val="dk1"/>
+          </a:lnRef>
+          <a:fillRef idx="1">
+            <a:schemeClr val="lt1"/>
+          </a:fillRef>
+          <a:effectRef idx="0">
+            <a:schemeClr val="dk1"/>
+          </a:effectRef>
+          <a:fontRef idx="minor">
+            <a:schemeClr val="dk1"/>
+          </a:fontRef>
+        </p:style>
+        <p:txBody>
+          <a:bodyPr rtlCol="0" anchor="ctr"/>
+          <a:lstStyle/>
+          <a:p>
+            <a:pPr algn="ctr"/>
+            <a:endParaRPr lang="zh-CN" altLang="en-US"/>
+          </a:p>
+        </p:txBody>
+      </p:sp>
+      <p:sp>
+        <p:nvSpPr>
+          <p:cNvPr id="20" name="Flowchart: Summing Junction 19"/>
+          <p:cNvSpPr>
+            <a:spLocks noChangeAspect="1"/>
+          </p:cNvSpPr>
+          <p:nvPr/>
+        </p:nvSpPr>
+        <p:spPr>
+          <a:xfrm>
+            <a:off x="904875" y="3829050"/>
+            <a:ext cx="1536192" cy="1536192"/>
+          </a:xfrm>
+          <a:prstGeom prst="flowChartSummingJunction">
+            <a:avLst/>
+          </a:prstGeom>
+          <a:ln w="25400"/>
+        </p:spPr>
+        <p:style>
+          <a:lnRef idx="2">
+            <a:schemeClr val="dk1"/>
+          </a:lnRef>
+          <a:fillRef idx="1">
+            <a:schemeClr val="lt1"/>
+          </a:fillRef>
+          <a:effectRef idx="0">
+            <a:schemeClr val="dk1"/>
+          </a:effectRef>
+          <a:fontRef idx="minor">
+            <a:schemeClr val="dk1"/>
+          </a:fontRef>
+        </p:style>
+        <p:txBody>
+          <a:bodyPr rtlCol="0" anchor="ctr"/>
+          <a:lstStyle/>
+          <a:p>
+            <a:pPr algn="ctr"/>
+            <a:endParaRPr lang="zh-CN" altLang="en-US"/>
+          </a:p>
+        </p:txBody>
+      </p:sp>
+      <p:sp>
+        <p:nvSpPr>
+          <p:cNvPr id="21" name="Flowchart: Summing Junction 20"/>
+          <p:cNvSpPr>
+            <a:spLocks noChangeAspect="1"/>
+          </p:cNvSpPr>
+          <p:nvPr/>
+        </p:nvSpPr>
+        <p:spPr>
+          <a:xfrm>
+            <a:off x="2668905" y="3833622"/>
+            <a:ext cx="1143000" cy="1143000"/>
+          </a:xfrm>
+          <a:prstGeom prst="flowChartSummingJunction">
+            <a:avLst/>
+          </a:prstGeom>
+          <a:ln w="19050"/>
+        </p:spPr>
+        <p:style>
+          <a:lnRef idx="2">
+            <a:schemeClr val="dk1"/>
+          </a:lnRef>
+          <a:fillRef idx="1">
+            <a:schemeClr val="lt1"/>
+          </a:fillRef>
+          <a:effectRef idx="0">
+            <a:schemeClr val="dk1"/>
+          </a:effectRef>
+          <a:fontRef idx="minor">
+            <a:schemeClr val="dk1"/>
+          </a:fontRef>
+        </p:style>
+        <p:txBody>
+          <a:bodyPr rtlCol="0" anchor="ctr"/>
+          <a:lstStyle/>
+          <a:p>
+            <a:pPr algn="ctr"/>
+            <a:endParaRPr lang="zh-CN" altLang="en-US"/>
+          </a:p>
+        </p:txBody>
+      </p:sp>
+      <p:sp>
+        <p:nvSpPr>
+          <p:cNvPr id="22" name="Flowchart: Summing Junction 21"/>
+          <p:cNvSpPr>
+            <a:spLocks noChangeAspect="1"/>
+          </p:cNvSpPr>
+          <p:nvPr/>
+        </p:nvSpPr>
+        <p:spPr>
+          <a:xfrm>
+            <a:off x="3939921" y="3833622"/>
+            <a:ext cx="768096" cy="768096"/>
+          </a:xfrm>
+          <a:prstGeom prst="flowChartSummingJunction">
+            <a:avLst/>
+          </a:prstGeom>
+          <a:ln w="12700"/>
+        </p:spPr>
+        <p:style>
+          <a:lnRef idx="2">
+            <a:schemeClr val="dk1"/>
+          </a:lnRef>
+          <a:fillRef idx="1">
+            <a:schemeClr val="lt1"/>
+          </a:fillRef>
+          <a:effectRef idx="0">
+            <a:schemeClr val="dk1"/>
+          </a:effectRef>
+          <a:fontRef idx="minor">
+            <a:schemeClr val="dk1"/>
+          </a:fontRef>
+        </p:style>
+        <p:txBody>
+          <a:bodyPr rtlCol="0" anchor="ctr"/>
+          <a:lstStyle/>
+          <a:p>
+            <a:pPr algn="ctr"/>
+            <a:endParaRPr lang="zh-CN" altLang="en-US"/>
+          </a:p>
+        </p:txBody>
+      </p:sp>
+      <p:sp>
+        <p:nvSpPr>
+          <p:cNvPr id="23" name="Flowchart: Summing Junction 22"/>
+          <p:cNvSpPr>
+            <a:spLocks noChangeAspect="1"/>
+          </p:cNvSpPr>
+          <p:nvPr/>
+        </p:nvSpPr>
+        <p:spPr>
+          <a:xfrm>
+            <a:off x="4898898" y="3829050"/>
+            <a:ext cx="576072" cy="576072"/>
+          </a:xfrm>
+          <a:prstGeom prst="flowChartSummingJunction">
+            <a:avLst/>
+          </a:prstGeom>
+          <a:ln w="9525"/>
+        </p:spPr>
+        <p:style>
+          <a:lnRef idx="2">
+            <a:schemeClr val="dk1"/>
+          </a:lnRef>
+          <a:fillRef idx="1">
+            <a:schemeClr val="lt1"/>
+          </a:fillRef>
+          <a:effectRef idx="0">
+            <a:schemeClr val="dk1"/>
+          </a:effectRef>
+          <a:fontRef idx="minor">
+            <a:schemeClr val="dk1"/>
+          </a:fontRef>
+        </p:style>
+        <p:txBody>
+          <a:bodyPr rtlCol="0" anchor="ctr"/>
+          <a:lstStyle/>
+          <a:p>
+            <a:pPr algn="ctr"/>
+            <a:endParaRPr lang="zh-CN" altLang="en-US"/>
+          </a:p>
+        </p:txBody>
+      </p:sp>
+      <p:sp>
+        <p:nvSpPr>
+          <p:cNvPr id="24" name="Flowchart: Summing Junction 23"/>
+          <p:cNvSpPr>
+            <a:spLocks noChangeAspect="1"/>
+          </p:cNvSpPr>
+          <p:nvPr/>
+        </p:nvSpPr>
+        <p:spPr>
+          <a:xfrm>
+            <a:off x="5665851" y="3833622"/>
+            <a:ext cx="384048" cy="384048"/>
+          </a:xfrm>
+          <a:prstGeom prst="flowChartSummingJunction">
+            <a:avLst/>
+          </a:prstGeom>
+          <a:ln w="6350"/>
+        </p:spPr>
+        <p:style>
+          <a:lnRef idx="2">
+            <a:schemeClr val="dk1"/>
+          </a:lnRef>
+          <a:fillRef idx="1">
+            <a:schemeClr val="lt1"/>
+          </a:fillRef>
+          <a:effectRef idx="0">
+            <a:schemeClr val="dk1"/>
+          </a:effectRef>
+          <a:fontRef idx="minor">
+            <a:schemeClr val="dk1"/>
+          </a:fontRef>
+        </p:style>
+        <p:txBody>
+          <a:bodyPr rtlCol="0" anchor="ctr"/>
+          <a:lstStyle/>
+          <a:p>
+            <a:pPr algn="ctr"/>
+            <a:endParaRPr lang="zh-CN" altLang="en-US"/>
+          </a:p>
+        </p:txBody>
+      </p:sp>
+      <p:sp>
+        <p:nvSpPr>
+          <p:cNvPr id="25" name="Flowchart: Summing Junction 24"/>
+          <p:cNvSpPr>
+            <a:spLocks noChangeAspect="1"/>
+          </p:cNvSpPr>
+          <p:nvPr/>
+        </p:nvSpPr>
+        <p:spPr>
+          <a:xfrm>
+            <a:off x="6280404" y="3833622"/>
+            <a:ext cx="283464" cy="283464"/>
+          </a:xfrm>
+          <a:prstGeom prst="flowChartSummingJunction">
+            <a:avLst/>
+          </a:prstGeom>
+          <a:ln w="4826"/>
+        </p:spPr>
+        <p:style>
+          <a:lnRef idx="2">
+            <a:schemeClr val="dk1"/>
+          </a:lnRef>
+          <a:fillRef idx="1">
+            <a:schemeClr val="lt1"/>
+          </a:fillRef>
+          <a:effectRef idx="0">
+            <a:schemeClr val="dk1"/>
+          </a:effectRef>
+          <a:fontRef idx="minor">
+            <a:schemeClr val="dk1"/>
+          </a:fontRef>
+        </p:style>
+        <p:txBody>
+          <a:bodyPr rtlCol="0" anchor="ctr"/>
+          <a:lstStyle/>
+          <a:p>
+            <a:pPr algn="ctr"/>
+            <a:endParaRPr lang="zh-CN" altLang="en-US"/>
+          </a:p>
+        </p:txBody>
+      </p:sp>
+      <p:sp>
+        <p:nvSpPr>
+          <p:cNvPr id="26" name="Flowchart: Summing Junction 25"/>
+          <p:cNvSpPr>
+            <a:spLocks noChangeAspect="1"/>
+          </p:cNvSpPr>
+          <p:nvPr/>
+        </p:nvSpPr>
+        <p:spPr>
+          <a:xfrm>
+            <a:off x="6698361" y="3833622"/>
+            <a:ext cx="192024" cy="192024"/>
+          </a:xfrm>
+          <a:prstGeom prst="flowChartSummingJunction">
+            <a:avLst/>
+          </a:prstGeom>
+          <a:ln w="3175"/>
+        </p:spPr>
+        <p:style>
+          <a:lnRef idx="2">
+            <a:schemeClr val="dk1"/>
+          </a:lnRef>
+          <a:fillRef idx="1">
+            <a:schemeClr val="lt1"/>
+          </a:fillRef>
+          <a:effectRef idx="0">
+            <a:schemeClr val="dk1"/>
+          </a:effectRef>
+          <a:fontRef idx="minor">
+            <a:schemeClr val="dk1"/>
+          </a:fontRef>
+        </p:style>
+        <p:txBody>
+          <a:bodyPr rtlCol="0" anchor="ctr"/>
+          <a:lstStyle/>
+          <a:p>
+            <a:pPr algn="ctr"/>
+            <a:endParaRPr lang="zh-CN" altLang="en-US"/>
+          </a:p>
+        </p:txBody>
+      </p:sp>
+      <p:sp>
+        <p:nvSpPr>
+          <p:cNvPr id="27" name="Flowchart: Summing Junction 26"/>
+          <p:cNvSpPr>
+            <a:spLocks noChangeAspect="1"/>
+          </p:cNvSpPr>
+          <p:nvPr/>
+        </p:nvSpPr>
+        <p:spPr>
+          <a:xfrm>
+            <a:off x="7012305" y="3838194"/>
+            <a:ext cx="91440" cy="91440"/>
+          </a:xfrm>
+          <a:prstGeom prst="flowChartSummingJunction">
+            <a:avLst/>
+          </a:prstGeom>
+          <a:ln w="1651"/>
+        </p:spPr>
+        <p:style>
+          <a:lnRef idx="2">
+            <a:schemeClr val="dk1"/>
+          </a:lnRef>
+          <a:fillRef idx="1">
+            <a:schemeClr val="lt1"/>
+          </a:fillRef>
+          <a:effectRef idx="0">
+            <a:schemeClr val="dk1"/>
+          </a:effectRef>
+          <a:fontRef idx="minor">
+            <a:schemeClr val="dk1"/>
+          </a:fontRef>
+        </p:style>
+        <p:txBody>
+          <a:bodyPr rtlCol="0" anchor="ctr"/>
+          <a:lstStyle/>
+          <a:p>
+            <a:pPr algn="ctr"/>
+            <a:endParaRPr lang="zh-CN" altLang="en-US"/>
+          </a:p>
+        </p:txBody>
+      </p:sp>
+      <p:sp>
+        <p:nvSpPr>
+          <p:cNvPr id="28" name="Minus 27"/>
+          <p:cNvSpPr>
+            <a:spLocks noChangeAspect="1"/>
+          </p:cNvSpPr>
+          <p:nvPr/>
+        </p:nvSpPr>
+        <p:spPr>
+          <a:xfrm>
+            <a:off x="904875" y="5571376"/>
+            <a:ext cx="1536192" cy="1536192"/>
+          </a:xfrm>
+          <a:prstGeom prst="mathMinus">
+            <a:avLst/>
+          </a:prstGeom>
+          <a:solidFill>
+            <a:srgbClr val="BFBFBF"/>
+          </a:solidFill>
+          <a:ln w="25400">
+            <a:solidFill>
+              <a:schemeClr val="tx1"/>
+            </a:solidFill>
+          </a:ln>
+        </p:spPr>
+        <p:style>
+          <a:lnRef idx="2">
+            <a:schemeClr val="accent1">
+              <a:shade val="50000"/>
+            </a:schemeClr>
+          </a:lnRef>
+          <a:fillRef idx="1">
+            <a:schemeClr val="accent1"/>
+          </a:fillRef>
+          <a:effectRef idx="0">
+            <a:schemeClr val="accent1"/>
+          </a:effectRef>
+          <a:fontRef idx="minor">
+            <a:schemeClr val="lt1"/>
+          </a:fontRef>
+        </p:style>
+        <p:txBody>
+          <a:bodyPr rtlCol="0" anchor="ctr"/>
+          <a:lstStyle/>
+          <a:p>
+            <a:pPr algn="ctr"/>
+            <a:endParaRPr lang="zh-CN" altLang="en-US"/>
+          </a:p>
+        </p:txBody>
+      </p:sp>
+      <p:sp>
+        <p:nvSpPr>
+          <p:cNvPr id="29" name="Minus 28"/>
+          <p:cNvSpPr>
+            <a:spLocks noChangeAspect="1"/>
+          </p:cNvSpPr>
+          <p:nvPr/>
+        </p:nvSpPr>
+        <p:spPr>
+          <a:xfrm>
+            <a:off x="3939921" y="5569484"/>
+            <a:ext cx="768096" cy="768096"/>
+          </a:xfrm>
+          <a:prstGeom prst="mathMinus">
+            <a:avLst/>
+          </a:prstGeom>
+          <a:solidFill>
+            <a:srgbClr val="BFBFBF"/>
+          </a:solidFill>
+          <a:ln w="12700">
+            <a:solidFill>
+              <a:schemeClr val="tx1"/>
+            </a:solidFill>
+          </a:ln>
+        </p:spPr>
+        <p:style>
+          <a:lnRef idx="2">
+            <a:schemeClr val="accent1">
+              <a:shade val="50000"/>
+            </a:schemeClr>
+          </a:lnRef>
+          <a:fillRef idx="1">
+            <a:schemeClr val="accent1"/>
+          </a:fillRef>
+          <a:effectRef idx="0">
+            <a:schemeClr val="accent1"/>
+          </a:effectRef>
+          <a:fontRef idx="minor">
+            <a:schemeClr val="lt1"/>
+          </a:fontRef>
+        </p:style>
+        <p:txBody>
+          <a:bodyPr rtlCol="0" anchor="ctr"/>
+          <a:lstStyle/>
+          <a:p>
+            <a:pPr algn="ctr"/>
+            <a:endParaRPr lang="zh-CN" altLang="en-US"/>
+          </a:p>
+        </p:txBody>
+      </p:sp>
+      <p:sp>
+        <p:nvSpPr>
+          <p:cNvPr id="30" name="Minus 29"/>
+          <p:cNvSpPr>
+            <a:spLocks noChangeAspect="1"/>
+          </p:cNvSpPr>
+          <p:nvPr/>
+        </p:nvSpPr>
+        <p:spPr>
+          <a:xfrm>
+            <a:off x="5665851" y="5569484"/>
+            <a:ext cx="384048" cy="384048"/>
+          </a:xfrm>
+          <a:prstGeom prst="mathMinus">
+            <a:avLst/>
+          </a:prstGeom>
+          <a:solidFill>
+            <a:srgbClr val="BFBFBF"/>
+          </a:solidFill>
+          <a:ln w="6350">
+            <a:solidFill>
+              <a:schemeClr val="tx1"/>
+            </a:solidFill>
+          </a:ln>
+        </p:spPr>
+        <p:style>
+          <a:lnRef idx="2">
+            <a:schemeClr val="accent1">
+              <a:shade val="50000"/>
+            </a:schemeClr>
+          </a:lnRef>
+          <a:fillRef idx="1">
+            <a:schemeClr val="accent1"/>
+          </a:fillRef>
+          <a:effectRef idx="0">
+            <a:schemeClr val="accent1"/>
+          </a:effectRef>
+          <a:fontRef idx="minor">
+            <a:schemeClr val="lt1"/>
+          </a:fontRef>
+        </p:style>
+        <p:txBody>
+          <a:bodyPr rtlCol="0" anchor="ctr"/>
+          <a:lstStyle/>
+          <a:p>
+            <a:pPr algn="ctr"/>
+            <a:endParaRPr lang="zh-CN" altLang="en-US"/>
+          </a:p>
+        </p:txBody>
+      </p:sp>
+      <p:sp>
+        <p:nvSpPr>
+          <p:cNvPr id="31" name="Minus 30"/>
+          <p:cNvSpPr>
+            <a:spLocks noChangeAspect="1"/>
+          </p:cNvSpPr>
+          <p:nvPr/>
+        </p:nvSpPr>
+        <p:spPr>
+          <a:xfrm>
+            <a:off x="6698361" y="5569484"/>
+            <a:ext cx="192024" cy="192024"/>
+          </a:xfrm>
+          <a:prstGeom prst="mathMinus">
+            <a:avLst/>
+          </a:prstGeom>
+          <a:solidFill>
+            <a:srgbClr val="BFBFBF"/>
+          </a:solidFill>
+          <a:ln w="3175">
+            <a:solidFill>
+              <a:schemeClr val="tx1"/>
+            </a:solidFill>
+          </a:ln>
+        </p:spPr>
+        <p:style>
+          <a:lnRef idx="2">
+            <a:schemeClr val="accent1">
+              <a:shade val="50000"/>
+            </a:schemeClr>
+          </a:lnRef>
+          <a:fillRef idx="1">
+            <a:schemeClr val="accent1"/>
+          </a:fillRef>
+          <a:effectRef idx="0">
+            <a:schemeClr val="accent1"/>
+          </a:effectRef>
+          <a:fontRef idx="minor">
+            <a:schemeClr val="lt1"/>
+          </a:fontRef>
+        </p:style>
+        <p:txBody>
+          <a:bodyPr rtlCol="0" anchor="ctr"/>
+          <a:lstStyle/>
+          <a:p>
+            <a:pPr algn="ctr"/>
+            <a:endParaRPr lang="zh-CN" altLang="en-US"/>
+          </a:p>
+        </p:txBody>
+      </p:sp>
+      <p:sp>
+        <p:nvSpPr>
+          <p:cNvPr id="32" name="Minus 31"/>
+          <p:cNvSpPr>
+            <a:spLocks noChangeAspect="1"/>
+          </p:cNvSpPr>
+          <p:nvPr/>
+        </p:nvSpPr>
+        <p:spPr>
+          <a:xfrm>
+            <a:off x="7012305" y="5568354"/>
+            <a:ext cx="91440" cy="91440"/>
+          </a:xfrm>
+          <a:prstGeom prst="mathMinus">
+            <a:avLst/>
+          </a:prstGeom>
+          <a:solidFill>
+            <a:srgbClr val="BFBFBF"/>
+          </a:solidFill>
+          <a:ln w="1651">
+            <a:solidFill>
+              <a:schemeClr val="tx1"/>
+            </a:solidFill>
+          </a:ln>
+        </p:spPr>
+        <p:style>
+          <a:lnRef idx="2">
+            <a:schemeClr val="accent1">
+              <a:shade val="50000"/>
+            </a:schemeClr>
+          </a:lnRef>
+          <a:fillRef idx="1">
+            <a:schemeClr val="accent1"/>
+          </a:fillRef>
+          <a:effectRef idx="0">
+            <a:schemeClr val="accent1"/>
+          </a:effectRef>
+          <a:fontRef idx="minor">
+            <a:schemeClr val="lt1"/>
+          </a:fontRef>
+        </p:style>
+        <p:txBody>
+          <a:bodyPr rtlCol="0" anchor="ctr"/>
+          <a:lstStyle/>
+          <a:p>
+            <a:pPr algn="ctr"/>
+            <a:endParaRPr lang="zh-CN" altLang="en-US"/>
+          </a:p>
+        </p:txBody>
+      </p:sp>
+    </p:spTree>
+    <p:extLst>
+      <p:ext uri="{BB962C8B-B14F-4D97-AF65-F5344CB8AC3E}">
+        <p14:creationId xmlns:p14="http://schemas.microsoft.com/office/powerpoint/2010/main" val="65428476"/>
       </p:ext>
     </p:extLst>
   </p:cSld>

--- a/ui-1.pptx
+++ b/ui-1.pptx
@@ -7828,6 +7828,239 @@
           </a:p>
         </p:txBody>
       </p:sp>
+      <p:grpSp>
+        <p:nvGrpSpPr>
+          <p:cNvPr id="44" name="Group 43"/>
+          <p:cNvGrpSpPr>
+            <a:grpSpLocks noChangeAspect="1"/>
+          </p:cNvGrpSpPr>
+          <p:nvPr/>
+        </p:nvGrpSpPr>
+        <p:grpSpPr>
+          <a:xfrm>
+            <a:off x="7850659" y="711327"/>
+            <a:ext cx="756000" cy="756000"/>
+            <a:chOff x="7850659" y="711327"/>
+            <a:chExt cx="823784" cy="826111"/>
+          </a:xfrm>
+        </p:grpSpPr>
+        <p:sp>
+          <p:nvSpPr>
+            <p:cNvPr id="42" name="Isosceles Triangle 41"/>
+            <p:cNvSpPr/>
+            <p:nvPr/>
+          </p:nvSpPr>
+          <p:spPr>
+            <a:xfrm rot="10800000">
+              <a:off x="7866641" y="778486"/>
+              <a:ext cx="790832" cy="758952"/>
+            </a:xfrm>
+            <a:prstGeom prst="triangle">
+              <a:avLst>
+                <a:gd name="adj" fmla="val 50001"/>
+              </a:avLst>
+            </a:prstGeom>
+            <a:solidFill>
+              <a:schemeClr val="bg1"/>
+            </a:solidFill>
+            <a:ln>
+              <a:solidFill>
+                <a:schemeClr val="tx1"/>
+              </a:solidFill>
+            </a:ln>
+          </p:spPr>
+          <p:style>
+            <a:lnRef idx="2">
+              <a:schemeClr val="accent1">
+                <a:shade val="50000"/>
+              </a:schemeClr>
+            </a:lnRef>
+            <a:fillRef idx="1">
+              <a:schemeClr val="accent1"/>
+            </a:fillRef>
+            <a:effectRef idx="0">
+              <a:schemeClr val="accent1"/>
+            </a:effectRef>
+            <a:fontRef idx="minor">
+              <a:schemeClr val="lt1"/>
+            </a:fontRef>
+          </p:style>
+          <p:txBody>
+            <a:bodyPr rtlCol="0" anchor="ctr"/>
+            <a:lstStyle/>
+            <a:p>
+              <a:pPr algn="ctr"/>
+              <a:endParaRPr lang="zh-CN" altLang="en-US"/>
+            </a:p>
+          </p:txBody>
+        </p:sp>
+        <p:sp>
+          <p:nvSpPr>
+            <p:cNvPr id="43" name="Rectangle 42"/>
+            <p:cNvSpPr/>
+            <p:nvPr/>
+          </p:nvSpPr>
+          <p:spPr>
+            <a:xfrm>
+              <a:off x="7850659" y="711327"/>
+              <a:ext cx="823784" cy="100584"/>
+            </a:xfrm>
+            <a:prstGeom prst="rect">
+              <a:avLst/>
+            </a:prstGeom>
+            <a:solidFill>
+              <a:schemeClr val="bg1"/>
+            </a:solidFill>
+            <a:ln>
+              <a:solidFill>
+                <a:schemeClr val="bg1"/>
+              </a:solidFill>
+            </a:ln>
+          </p:spPr>
+          <p:style>
+            <a:lnRef idx="2">
+              <a:schemeClr val="accent1">
+                <a:shade val="50000"/>
+              </a:schemeClr>
+            </a:lnRef>
+            <a:fillRef idx="1">
+              <a:schemeClr val="accent1"/>
+            </a:fillRef>
+            <a:effectRef idx="0">
+              <a:schemeClr val="accent1"/>
+            </a:effectRef>
+            <a:fontRef idx="minor">
+              <a:schemeClr val="lt1"/>
+            </a:fontRef>
+          </p:style>
+          <p:txBody>
+            <a:bodyPr rtlCol="0" anchor="ctr"/>
+            <a:lstStyle/>
+            <a:p>
+              <a:pPr algn="ctr"/>
+              <a:endParaRPr lang="zh-CN" altLang="en-US"/>
+            </a:p>
+          </p:txBody>
+        </p:sp>
+      </p:grpSp>
+      <p:grpSp>
+        <p:nvGrpSpPr>
+          <p:cNvPr id="45" name="Group 44"/>
+          <p:cNvGrpSpPr>
+            <a:grpSpLocks noChangeAspect="1"/>
+          </p:cNvGrpSpPr>
+          <p:nvPr/>
+        </p:nvGrpSpPr>
+        <p:grpSpPr>
+          <a:xfrm>
+            <a:off x="7865326" y="2663952"/>
+            <a:ext cx="756000" cy="756000"/>
+            <a:chOff x="7850659" y="711327"/>
+            <a:chExt cx="823784" cy="826111"/>
+          </a:xfrm>
+        </p:grpSpPr>
+        <p:sp>
+          <p:nvSpPr>
+            <p:cNvPr id="46" name="Isosceles Triangle 45"/>
+            <p:cNvSpPr/>
+            <p:nvPr/>
+          </p:nvSpPr>
+          <p:spPr>
+            <a:xfrm rot="10800000">
+              <a:off x="7866641" y="778486"/>
+              <a:ext cx="790832" cy="758952"/>
+            </a:xfrm>
+            <a:prstGeom prst="triangle">
+              <a:avLst>
+                <a:gd name="adj" fmla="val 50001"/>
+              </a:avLst>
+            </a:prstGeom>
+            <a:solidFill>
+              <a:schemeClr val="bg1"/>
+            </a:solidFill>
+            <a:ln>
+              <a:solidFill>
+                <a:schemeClr val="bg1">
+                  <a:lumMod val="75000"/>
+                </a:schemeClr>
+              </a:solidFill>
+              <a:prstDash val="lgDash"/>
+            </a:ln>
+          </p:spPr>
+          <p:style>
+            <a:lnRef idx="2">
+              <a:schemeClr val="accent1">
+                <a:shade val="50000"/>
+              </a:schemeClr>
+            </a:lnRef>
+            <a:fillRef idx="1">
+              <a:schemeClr val="accent1"/>
+            </a:fillRef>
+            <a:effectRef idx="0">
+              <a:schemeClr val="accent1"/>
+            </a:effectRef>
+            <a:fontRef idx="minor">
+              <a:schemeClr val="lt1"/>
+            </a:fontRef>
+          </p:style>
+          <p:txBody>
+            <a:bodyPr rtlCol="0" anchor="ctr"/>
+            <a:lstStyle/>
+            <a:p>
+              <a:pPr algn="ctr"/>
+              <a:endParaRPr lang="zh-CN" altLang="en-US"/>
+            </a:p>
+          </p:txBody>
+        </p:sp>
+        <p:sp>
+          <p:nvSpPr>
+            <p:cNvPr id="47" name="Rectangle 46"/>
+            <p:cNvSpPr/>
+            <p:nvPr/>
+          </p:nvSpPr>
+          <p:spPr>
+            <a:xfrm>
+              <a:off x="7850659" y="711327"/>
+              <a:ext cx="823784" cy="100584"/>
+            </a:xfrm>
+            <a:prstGeom prst="rect">
+              <a:avLst/>
+            </a:prstGeom>
+            <a:solidFill>
+              <a:schemeClr val="bg1"/>
+            </a:solidFill>
+            <a:ln>
+              <a:solidFill>
+                <a:schemeClr val="bg1"/>
+              </a:solidFill>
+            </a:ln>
+          </p:spPr>
+          <p:style>
+            <a:lnRef idx="2">
+              <a:schemeClr val="accent1">
+                <a:shade val="50000"/>
+              </a:schemeClr>
+            </a:lnRef>
+            <a:fillRef idx="1">
+              <a:schemeClr val="accent1"/>
+            </a:fillRef>
+            <a:effectRef idx="0">
+              <a:schemeClr val="accent1"/>
+            </a:effectRef>
+            <a:fontRef idx="minor">
+              <a:schemeClr val="lt1"/>
+            </a:fontRef>
+          </p:style>
+          <p:txBody>
+            <a:bodyPr rtlCol="0" anchor="ctr"/>
+            <a:lstStyle/>
+            <a:p>
+              <a:pPr algn="ctr"/>
+              <a:endParaRPr lang="zh-CN" altLang="en-US"/>
+            </a:p>
+          </p:txBody>
+        </p:sp>
+      </p:grpSp>
     </p:spTree>
     <p:extLst>
       <p:ext uri="{BB962C8B-B14F-4D97-AF65-F5344CB8AC3E}">
